--- a/PAA ICT/PAA_Ecoli_RNN/dissertation/figures/chick-watsom kinetic model-1.pptx
+++ b/PAA ICT/PAA_Ecoli_RNN/dissertation/figures/chick-watsom kinetic model-1.pptx
@@ -262,7 +262,7 @@
           <a:p>
             <a:fld id="{1D8BD707-D9CF-40AE-B4C6-C98DA3205C09}" type="datetimeFigureOut">
               <a:rPr lang="en-US"/>
-              <a:t>5/20/2020</a:t>
+              <a:t>5/23/2020</a:t>
             </a:fld>
             <a:endParaRPr lang="en-US"/>
           </a:p>
@@ -427,7 +427,7 @@
           <a:p>
             <a:fld id="{1D8BD707-D9CF-40AE-B4C6-C98DA3205C09}" type="datetimeFigureOut">
               <a:rPr lang="en-US"/>
-              <a:t>5/20/2020</a:t>
+              <a:t>5/23/2020</a:t>
             </a:fld>
             <a:endParaRPr lang="en-US"/>
           </a:p>
@@ -635,7 +635,7 @@
           <a:p>
             <a:fld id="{1D8BD707-D9CF-40AE-B4C6-C98DA3205C09}" type="datetimeFigureOut">
               <a:rPr lang="en-US"/>
-              <a:t>5/20/2020</a:t>
+              <a:t>5/23/2020</a:t>
             </a:fld>
             <a:endParaRPr lang="en-US"/>
           </a:p>
@@ -777,7 +777,7 @@
           <a:p>
             <a:fld id="{1D8BD707-D9CF-40AE-B4C6-C98DA3205C09}" type="datetimeFigureOut">
               <a:rPr lang="en-US"/>
-              <a:t>5/20/2020</a:t>
+              <a:t>5/23/2020</a:t>
             </a:fld>
             <a:endParaRPr lang="en-US"/>
           </a:p>
@@ -896,7 +896,7 @@
           <a:p>
             <a:fld id="{1D8BD707-D9CF-40AE-B4C6-C98DA3205C09}" type="datetimeFigureOut">
               <a:rPr lang="en-US"/>
-              <a:t>5/20/2020</a:t>
+              <a:t>5/23/2020</a:t>
             </a:fld>
             <a:endParaRPr lang="en-US"/>
           </a:p>
@@ -1109,7 +1109,7 @@
           <a:p>
             <a:fld id="{1D8BD707-D9CF-40AE-B4C6-C98DA3205C09}" type="datetimeFigureOut">
               <a:rPr lang="en-US"/>
-              <a:t>5/20/2020</a:t>
+              <a:t>5/23/2020</a:t>
             </a:fld>
             <a:endParaRPr lang="en-US"/>
           </a:p>
@@ -3999,15 +3999,19 @@
                 <a:latin typeface="Times New Roman"/>
                 <a:cs typeface="Times New Roman"/>
               </a:rPr>
-              <a:t>  </a:t>
-            </a:r>
-            <a:r>
-              <a:rPr sz="1400" dirty="0">
+              <a:t>     </a:t>
+            </a:r>
+            <a:r>
+              <a:rPr sz="1400">
                 <a:latin typeface="Times New Roman"/>
                 <a:cs typeface="Times New Roman"/>
               </a:rPr>
-              <a:t>−0.24</a:t>
-            </a:r>
+              <a:t>0.24</a:t>
+            </a:r>
+            <a:endParaRPr sz="1400" dirty="0">
+              <a:latin typeface="Times New Roman"/>
+              <a:cs typeface="Times New Roman"/>
+            </a:endParaRPr>
           </a:p>
         </p:txBody>
       </p:sp>
